--- a/BacterIO presentation.pptx
+++ b/BacterIO presentation.pptx
@@ -208,7 +208,7 @@
           <a:p>
             <a:fld id="{F51ECD32-6856-447B-B5A9-4F14A417C958}" type="datetimeFigureOut">
               <a:rPr lang="ru-RU" smtClean="0"/>
-              <a:t>17.12.2023</a:t>
+              <a:t>18.12.2023</a:t>
             </a:fld>
             <a:endParaRPr lang="ru-RU"/>
           </a:p>
@@ -1477,7 +1477,7 @@
           <a:p>
             <a:fld id="{4EB3CAD9-FF9B-47BA-BF2C-C010509B4D9B}" type="datetimeFigureOut">
               <a:rPr lang="ru-RU" smtClean="0"/>
-              <a:t>17.12.2023</a:t>
+              <a:t>18.12.2023</a:t>
             </a:fld>
             <a:endParaRPr lang="ru-RU"/>
           </a:p>
@@ -1647,7 +1647,7 @@
           <a:p>
             <a:fld id="{4EB3CAD9-FF9B-47BA-BF2C-C010509B4D9B}" type="datetimeFigureOut">
               <a:rPr lang="ru-RU" smtClean="0"/>
-              <a:t>17.12.2023</a:t>
+              <a:t>18.12.2023</a:t>
             </a:fld>
             <a:endParaRPr lang="ru-RU"/>
           </a:p>
@@ -1827,7 +1827,7 @@
           <a:p>
             <a:fld id="{4EB3CAD9-FF9B-47BA-BF2C-C010509B4D9B}" type="datetimeFigureOut">
               <a:rPr lang="ru-RU" smtClean="0"/>
-              <a:t>17.12.2023</a:t>
+              <a:t>18.12.2023</a:t>
             </a:fld>
             <a:endParaRPr lang="ru-RU"/>
           </a:p>
@@ -1997,7 +1997,7 @@
           <a:p>
             <a:fld id="{4EB3CAD9-FF9B-47BA-BF2C-C010509B4D9B}" type="datetimeFigureOut">
               <a:rPr lang="ru-RU" smtClean="0"/>
-              <a:t>17.12.2023</a:t>
+              <a:t>18.12.2023</a:t>
             </a:fld>
             <a:endParaRPr lang="ru-RU"/>
           </a:p>
@@ -2243,7 +2243,7 @@
           <a:p>
             <a:fld id="{4EB3CAD9-FF9B-47BA-BF2C-C010509B4D9B}" type="datetimeFigureOut">
               <a:rPr lang="ru-RU" smtClean="0"/>
-              <a:t>17.12.2023</a:t>
+              <a:t>18.12.2023</a:t>
             </a:fld>
             <a:endParaRPr lang="ru-RU"/>
           </a:p>
@@ -2475,7 +2475,7 @@
           <a:p>
             <a:fld id="{4EB3CAD9-FF9B-47BA-BF2C-C010509B4D9B}" type="datetimeFigureOut">
               <a:rPr lang="ru-RU" smtClean="0"/>
-              <a:t>17.12.2023</a:t>
+              <a:t>18.12.2023</a:t>
             </a:fld>
             <a:endParaRPr lang="ru-RU"/>
           </a:p>
@@ -2842,7 +2842,7 @@
           <a:p>
             <a:fld id="{4EB3CAD9-FF9B-47BA-BF2C-C010509B4D9B}" type="datetimeFigureOut">
               <a:rPr lang="ru-RU" smtClean="0"/>
-              <a:t>17.12.2023</a:t>
+              <a:t>18.12.2023</a:t>
             </a:fld>
             <a:endParaRPr lang="ru-RU"/>
           </a:p>
@@ -2960,7 +2960,7 @@
           <a:p>
             <a:fld id="{4EB3CAD9-FF9B-47BA-BF2C-C010509B4D9B}" type="datetimeFigureOut">
               <a:rPr lang="ru-RU" smtClean="0"/>
-              <a:t>17.12.2023</a:t>
+              <a:t>18.12.2023</a:t>
             </a:fld>
             <a:endParaRPr lang="ru-RU"/>
           </a:p>
@@ -3055,7 +3055,7 @@
           <a:p>
             <a:fld id="{4EB3CAD9-FF9B-47BA-BF2C-C010509B4D9B}" type="datetimeFigureOut">
               <a:rPr lang="ru-RU" smtClean="0"/>
-              <a:t>17.12.2023</a:t>
+              <a:t>18.12.2023</a:t>
             </a:fld>
             <a:endParaRPr lang="ru-RU"/>
           </a:p>
@@ -3332,7 +3332,7 @@
           <a:p>
             <a:fld id="{4EB3CAD9-FF9B-47BA-BF2C-C010509B4D9B}" type="datetimeFigureOut">
               <a:rPr lang="ru-RU" smtClean="0"/>
-              <a:t>17.12.2023</a:t>
+              <a:t>18.12.2023</a:t>
             </a:fld>
             <a:endParaRPr lang="ru-RU"/>
           </a:p>
@@ -3585,7 +3585,7 @@
           <a:p>
             <a:fld id="{4EB3CAD9-FF9B-47BA-BF2C-C010509B4D9B}" type="datetimeFigureOut">
               <a:rPr lang="ru-RU" smtClean="0"/>
-              <a:t>17.12.2023</a:t>
+              <a:t>18.12.2023</a:t>
             </a:fld>
             <a:endParaRPr lang="ru-RU"/>
           </a:p>
@@ -3798,7 +3798,7 @@
           <a:p>
             <a:fld id="{4EB3CAD9-FF9B-47BA-BF2C-C010509B4D9B}" type="datetimeFigureOut">
               <a:rPr lang="ru-RU" smtClean="0"/>
-              <a:t>17.12.2023</a:t>
+              <a:t>18.12.2023</a:t>
             </a:fld>
             <a:endParaRPr lang="ru-RU"/>
           </a:p>
@@ -6900,22 +6900,13 @@
               </a:tabLst>
             </a:pPr>
             <a:r>
-              <a:rPr lang="ru-RU" sz="2800" b="0" strike="noStrike" spc="-1" smtClean="0">
+              <a:rPr lang="ru-RU" sz="2800" b="0" strike="noStrike" spc="-1" dirty="0" smtClean="0">
                 <a:solidFill>
                   <a:srgbClr val="000000"/>
                 </a:solidFill>
                 <a:latin typeface="Calibri"/>
               </a:rPr>
-              <a:t>Тестирование </a:t>
-            </a:r>
-            <a:r>
-              <a:rPr lang="ru-RU" sz="2800" b="0" strike="noStrike" spc="-1" dirty="0" smtClean="0">
-                <a:solidFill>
-                  <a:srgbClr val="000000"/>
-                </a:solidFill>
-                <a:latin typeface="Calibri"/>
-              </a:rPr>
-              <a:t>и отладка.</a:t>
+              <a:t>Тестирование и отладка.</a:t>
             </a:r>
             <a:endParaRPr lang="ru-RU" sz="2800" b="0" strike="noStrike" spc="-1" dirty="0">
               <a:latin typeface="Arial"/>
@@ -7361,7 +7352,7 @@
         </p:nvSpPr>
         <p:spPr>
           <a:xfrm>
-            <a:off x="7380000" y="1297800"/>
+            <a:off x="7344831" y="1532211"/>
             <a:ext cx="4153680" cy="3968864"/>
           </a:xfrm>
           <a:prstGeom prst="rect">
@@ -8194,18 +8185,7 @@
               <a:rPr lang="ru-RU" spc="-1" dirty="0" smtClean="0">
                 <a:latin typeface="Arial"/>
               </a:rPr>
-              <a:t>Часть кода, с формированием пакета для сервера </a:t>
-            </a:r>
-            <a:br>
-              <a:rPr lang="ru-RU" spc="-1" dirty="0" smtClean="0">
-                <a:latin typeface="Arial"/>
-              </a:rPr>
-            </a:br>
-            <a:r>
-              <a:rPr lang="ru-RU" spc="-1" dirty="0" smtClean="0">
-                <a:latin typeface="Arial"/>
-              </a:rPr>
-              <a:t>Данный пакет передает вектор направления движения.</a:t>
+              <a:t>Часть кода, с формированием пакета для сервера. Данный пакет передает вектор направления движения.</a:t>
             </a:r>
             <a:br>
               <a:rPr lang="ru-RU" spc="-1" dirty="0" smtClean="0">
@@ -10803,13 +10783,31 @@
               </a:tabLst>
             </a:pPr>
             <a:r>
+              <a:rPr lang="ru-RU" sz="2800" b="0" strike="noStrike" spc="-1" smtClean="0">
+                <a:solidFill>
+                  <a:srgbClr val="000000"/>
+                </a:solidFill>
+                <a:latin typeface="Calibri"/>
+              </a:rPr>
+              <a:t>Обработкой </a:t>
+            </a:r>
+            <a:r>
+              <a:rPr lang="ru-RU" sz="2800" b="0" strike="noStrike" spc="-1" smtClean="0">
+                <a:solidFill>
+                  <a:srgbClr val="000000"/>
+                </a:solidFill>
+                <a:latin typeface="Calibri"/>
+              </a:rPr>
+              <a:t>движения занимается </a:t>
+            </a:r>
+            <a:r>
               <a:rPr lang="ru-RU" sz="2800" b="0" strike="noStrike" spc="-1" dirty="0" smtClean="0">
                 <a:solidFill>
                   <a:srgbClr val="000000"/>
                 </a:solidFill>
                 <a:latin typeface="Calibri"/>
               </a:rPr>
-              <a:t>Обработкой движения и выстрелов занимается функция </a:t>
+              <a:t>функция </a:t>
             </a:r>
             <a:r>
               <a:rPr lang="en-US" sz="2800" b="0" strike="noStrike" spc="-1" dirty="0" err="1" smtClean="0">
